--- a/day-8/Log_Monitoring_and_Security_Dynatrace.pptx
+++ b/day-8/Log_Monitoring_and_Security_Dynatrace.pptx
@@ -29,7 +29,6 @@
     <p:sldId id="277" r:id="rId23"/>
     <p:sldId id="278" r:id="rId24"/>
     <p:sldId id="279" r:id="rId25"/>
-    <p:sldId id="280" r:id="rId26"/>
   </p:sldIdLst>
   <p:sldSz cx="9144000" cy="6858000" type="screen4x3"/>
   <p:notesSz cx="6858000" cy="9144000"/>
@@ -6780,7 +6779,7 @@
           <a:p>
             <a:fld id="{5BCAD085-E8A6-8845-BD4E-CB4CCA059FC4}" type="datetimeFigureOut">
               <a:rPr lang="en-US" smtClean="0"/>
-              <a:t>2/23/2026</a:t>
+              <a:t>2/25/2026</a:t>
             </a:fld>
             <a:endParaRPr lang="en-US"/>
           </a:p>
@@ -6987,7 +6986,7 @@
           <a:p>
             <a:fld id="{5BCAD085-E8A6-8845-BD4E-CB4CCA059FC4}" type="datetimeFigureOut">
               <a:rPr lang="en-US" smtClean="0"/>
-              <a:t>2/23/2026</a:t>
+              <a:t>2/25/2026</a:t>
             </a:fld>
             <a:endParaRPr lang="en-US"/>
           </a:p>
@@ -7167,7 +7166,7 @@
           <a:p>
             <a:fld id="{5BCAD085-E8A6-8845-BD4E-CB4CCA059FC4}" type="datetimeFigureOut">
               <a:rPr lang="en-US" smtClean="0"/>
-              <a:t>2/23/2026</a:t>
+              <a:t>2/25/2026</a:t>
             </a:fld>
             <a:endParaRPr lang="en-US"/>
           </a:p>
@@ -7372,7 +7371,7 @@
           <a:p>
             <a:fld id="{5BCAD085-E8A6-8845-BD4E-CB4CCA059FC4}" type="datetimeFigureOut">
               <a:rPr lang="en-US" smtClean="0"/>
-              <a:t>2/23/2026</a:t>
+              <a:t>2/25/2026</a:t>
             </a:fld>
             <a:endParaRPr lang="en-US"/>
           </a:p>
@@ -14110,7 +14109,7 @@
           <a:p>
             <a:fld id="{5BCAD085-E8A6-8845-BD4E-CB4CCA059FC4}" type="datetimeFigureOut">
               <a:rPr lang="en-US" smtClean="0"/>
-              <a:t>2/23/2026</a:t>
+              <a:t>2/25/2026</a:t>
             </a:fld>
             <a:endParaRPr lang="en-US"/>
           </a:p>
@@ -14384,7 +14383,7 @@
           <a:p>
             <a:fld id="{5BCAD085-E8A6-8845-BD4E-CB4CCA059FC4}" type="datetimeFigureOut">
               <a:rPr lang="en-US" smtClean="0"/>
-              <a:t>2/23/2026</a:t>
+              <a:t>2/25/2026</a:t>
             </a:fld>
             <a:endParaRPr lang="en-US"/>
           </a:p>
@@ -14787,7 +14786,7 @@
           <a:p>
             <a:fld id="{5BCAD085-E8A6-8845-BD4E-CB4CCA059FC4}" type="datetimeFigureOut">
               <a:rPr lang="en-US" smtClean="0"/>
-              <a:t>2/23/2026</a:t>
+              <a:t>2/25/2026</a:t>
             </a:fld>
             <a:endParaRPr lang="en-US"/>
           </a:p>
@@ -14905,7 +14904,7 @@
           <a:p>
             <a:fld id="{5BCAD085-E8A6-8845-BD4E-CB4CCA059FC4}" type="datetimeFigureOut">
               <a:rPr lang="en-US" smtClean="0"/>
-              <a:t>2/23/2026</a:t>
+              <a:t>2/25/2026</a:t>
             </a:fld>
             <a:endParaRPr lang="en-US"/>
           </a:p>
@@ -15000,7 +14999,7 @@
           <a:p>
             <a:fld id="{5BCAD085-E8A6-8845-BD4E-CB4CCA059FC4}" type="datetimeFigureOut">
               <a:rPr lang="en-US" smtClean="0"/>
-              <a:t>2/23/2026</a:t>
+              <a:t>2/25/2026</a:t>
             </a:fld>
             <a:endParaRPr lang="en-US"/>
           </a:p>
@@ -15292,7 +15291,7 @@
           <a:p>
             <a:fld id="{5BCAD085-E8A6-8845-BD4E-CB4CCA059FC4}" type="datetimeFigureOut">
               <a:rPr lang="en-US" smtClean="0"/>
-              <a:t>2/23/2026</a:t>
+              <a:t>2/25/2026</a:t>
             </a:fld>
             <a:endParaRPr lang="en-US"/>
           </a:p>
@@ -15572,7 +15571,7 @@
           <a:p>
             <a:fld id="{5BCAD085-E8A6-8845-BD4E-CB4CCA059FC4}" type="datetimeFigureOut">
               <a:rPr lang="en-US" smtClean="0"/>
-              <a:t>2/23/2026</a:t>
+              <a:t>2/25/2026</a:t>
             </a:fld>
             <a:endParaRPr lang="en-US"/>
           </a:p>
@@ -15822,7 +15821,7 @@
           <a:p>
             <a:fld id="{5BCAD085-E8A6-8845-BD4E-CB4CCA059FC4}" type="datetimeFigureOut">
               <a:rPr lang="en-US" smtClean="0"/>
-              <a:t>2/23/2026</a:t>
+              <a:t>2/25/2026</a:t>
             </a:fld>
             <a:endParaRPr lang="en-US"/>
           </a:p>
@@ -17774,97 +17773,6 @@
 </p:sld>
 </file>
 
-<file path=ppt/slides/slide25.xml><?xml version="1.0" encoding="utf-8"?>
-<p:sld xmlns:a="http://schemas.openxmlformats.org/drawingml/2006/main" xmlns:r="http://schemas.openxmlformats.org/officeDocument/2006/relationships" xmlns:p="http://schemas.openxmlformats.org/presentationml/2006/main">
-  <p:cSld>
-    <p:spTree>
-      <p:nvGrpSpPr>
-        <p:cNvPr id="1" name=""/>
-        <p:cNvGrpSpPr/>
-        <p:nvPr/>
-      </p:nvGrpSpPr>
-      <p:grpSpPr>
-        <a:xfrm>
-          <a:off x="0" y="0"/>
-          <a:ext cx="0" cy="0"/>
-          <a:chOff x="0" y="0"/>
-          <a:chExt cx="0" cy="0"/>
-        </a:xfrm>
-      </p:grpSpPr>
-      <p:sp>
-        <p:nvSpPr>
-          <p:cNvPr id="2" name="Title 1"/>
-          <p:cNvSpPr>
-            <a:spLocks noGrp="1"/>
-          </p:cNvSpPr>
-          <p:nvPr>
-            <p:ph type="title"/>
-          </p:nvPr>
-        </p:nvSpPr>
-        <p:spPr/>
-        <p:txBody>
-          <a:bodyPr/>
-          <a:lstStyle/>
-          <a:p>
-            <a:r>
-              <a:t>Summary</a:t>
-            </a:r>
-          </a:p>
-        </p:txBody>
-      </p:sp>
-      <p:sp>
-        <p:nvSpPr>
-          <p:cNvPr id="3" name="Content Placeholder 2"/>
-          <p:cNvSpPr>
-            <a:spLocks noGrp="1"/>
-          </p:cNvSpPr>
-          <p:nvPr>
-            <p:ph idx="1"/>
-          </p:nvPr>
-        </p:nvSpPr>
-        <p:spPr/>
-        <p:txBody>
-          <a:bodyPr/>
-          <a:lstStyle/>
-          <a:p>
-            <a:r>
-              <a:t>Logs enhance observability depth</a:t>
-            </a:r>
-          </a:p>
-          <a:p>
-            <a:pPr lvl="1"/>
-            <a:r>
-              <a:t>Correlation speeds root cause analysis</a:t>
-            </a:r>
-          </a:p>
-          <a:p>
-            <a:pPr lvl="1"/>
-            <a:r>
-              <a:t>RASP detects runtime attacks</a:t>
-            </a:r>
-          </a:p>
-          <a:p>
-            <a:pPr lvl="1"/>
-            <a:r>
-              <a:t>Vulnerability scanning reduces risk</a:t>
-            </a:r>
-          </a:p>
-          <a:p>
-            <a:pPr lvl="1"/>
-            <a:r>
-              <a:t>Security + observability = proactive defense</a:t>
-            </a:r>
-          </a:p>
-        </p:txBody>
-      </p:sp>
-    </p:spTree>
-  </p:cSld>
-  <p:clrMapOvr>
-    <a:masterClrMapping/>
-  </p:clrMapOvr>
-</p:sld>
-</file>
-
 <file path=ppt/slides/slide3.xml><?xml version="1.0" encoding="utf-8"?>
 <p:sld xmlns:a="http://schemas.openxmlformats.org/drawingml/2006/main" xmlns:r="http://schemas.openxmlformats.org/officeDocument/2006/relationships" xmlns:p="http://schemas.openxmlformats.org/presentationml/2006/main">
   <p:cSld>
